--- a/Final Task_Bank BTPN Syariah_Data Engineer_Gilang Wiradhyaksa.pptx
+++ b/Final Task_Bank BTPN Syariah_Data Engineer_Gilang Wiradhyaksa.pptx
@@ -312,7 +312,7 @@
       </p15:sldGuideLst>
     </p:ext>
     <p:ext uri="GoogleSlidesCustomDataVersion2">
-      <go:slidesCustomData xmlns:go="http://customooxmlschemas.google.com/" xmlns:ahyp="http://schemas.microsoft.com/office/drawing/2018/hyperlinkcolor" xmlns:p15="http://schemas.microsoft.com/office/powerpoint/2012/main" xmlns:p14="http://schemas.microsoft.com/office/powerpoint/2010/main" xmlns:com="http://schemas.openxmlformats.org/drawingml/2006/compatibility" xmlns:pvml="urn:schemas-microsoft-com:office:powerpoint" xmlns:v="urn:schemas-microsoft-com:vml" xmlns:o="urn:schemas-microsoft-com:office:office" xmlns:dgm="http://schemas.openxmlformats.org/drawingml/2006/diagram" xmlns:c="http://schemas.openxmlformats.org/drawingml/2006/chart" xmlns:mv="urn:schemas-microsoft-com:mac:vml" xmlns:mc="http://schemas.openxmlformats.org/markup-compatibility/2006" xmlns="" r:id="rId45" roundtripDataSignature="AMtx7mjTFmFoeNs8+g57EKKd8hQk/sKzwQ=="/>
+      <go:slidesCustomData xmlns="" xmlns:mc="http://schemas.openxmlformats.org/markup-compatibility/2006" xmlns:mv="urn:schemas-microsoft-com:mac:vml" xmlns:c="http://schemas.openxmlformats.org/drawingml/2006/chart" xmlns:dgm="http://schemas.openxmlformats.org/drawingml/2006/diagram" xmlns:o="urn:schemas-microsoft-com:office:office" xmlns:v="urn:schemas-microsoft-com:vml" xmlns:pvml="urn:schemas-microsoft-com:office:powerpoint" xmlns:com="http://schemas.openxmlformats.org/drawingml/2006/compatibility" xmlns:p14="http://schemas.microsoft.com/office/powerpoint/2010/main" xmlns:p15="http://schemas.microsoft.com/office/powerpoint/2012/main" xmlns:ahyp="http://schemas.microsoft.com/office/drawing/2018/hyperlinkcolor" xmlns:go="http://customooxmlschemas.google.com/" r:id="rId45" roundtripDataSignature="AMtx7mjTFmFoeNs8+g57EKKd8hQk/sKzwQ=="/>
     </p:ext>
   </p:extLst>
 </p:presentation>
@@ -1045,7 +1045,7 @@
         </p:nvSpPr>
         <p:spPr>
           <a:xfrm>
-            <a:off x="381300" y="685800"/>
+            <a:off x="381000" y="685800"/>
             <a:ext cx="6096000" cy="3429000"/>
           </a:xfrm>
           <a:custGeom>
@@ -1167,7 +1167,7 @@
         </p:nvSpPr>
         <p:spPr>
           <a:xfrm>
-            <a:off x="381300" y="685800"/>
+            <a:off x="381000" y="685800"/>
             <a:ext cx="6096000" cy="3429000"/>
           </a:xfrm>
           <a:custGeom>
@@ -1289,7 +1289,7 @@
         </p:nvSpPr>
         <p:spPr>
           <a:xfrm>
-            <a:off x="381300" y="685800"/>
+            <a:off x="381000" y="685800"/>
             <a:ext cx="6096000" cy="3429000"/>
           </a:xfrm>
           <a:custGeom>
@@ -1411,7 +1411,7 @@
         </p:nvSpPr>
         <p:spPr>
           <a:xfrm>
-            <a:off x="381300" y="685800"/>
+            <a:off x="381000" y="685800"/>
             <a:ext cx="6096000" cy="3429000"/>
           </a:xfrm>
           <a:custGeom>
@@ -1533,7 +1533,7 @@
         </p:nvSpPr>
         <p:spPr>
           <a:xfrm>
-            <a:off x="381300" y="685800"/>
+            <a:off x="381000" y="685800"/>
             <a:ext cx="6096000" cy="3429000"/>
           </a:xfrm>
           <a:custGeom>
@@ -2753,7 +2753,7 @@
         </p:nvSpPr>
         <p:spPr>
           <a:xfrm>
-            <a:off x="381300" y="685800"/>
+            <a:off x="381000" y="685800"/>
             <a:ext cx="6096000" cy="3429000"/>
           </a:xfrm>
           <a:custGeom>
@@ -2875,7 +2875,7 @@
         </p:nvSpPr>
         <p:spPr>
           <a:xfrm>
-            <a:off x="381300" y="685800"/>
+            <a:off x="381000" y="685800"/>
             <a:ext cx="6096000" cy="3429000"/>
           </a:xfrm>
           <a:custGeom>
@@ -2997,7 +2997,7 @@
         </p:nvSpPr>
         <p:spPr>
           <a:xfrm>
-            <a:off x="381300" y="685800"/>
+            <a:off x="381000" y="685800"/>
             <a:ext cx="6096000" cy="3429000"/>
           </a:xfrm>
           <a:custGeom>
@@ -3119,7 +3119,7 @@
         </p:nvSpPr>
         <p:spPr>
           <a:xfrm>
-            <a:off x="381300" y="685800"/>
+            <a:off x="381000" y="685800"/>
             <a:ext cx="6096000" cy="3429000"/>
           </a:xfrm>
           <a:custGeom>
@@ -11805,34 +11805,6 @@
           </a:p>
         </p:txBody>
       </p:sp>
-      <p:pic>
-        <p:nvPicPr>
-          <p:cNvPr id="149" name="Google Shape;149;g26a97bc69ad_1_44"/>
-          <p:cNvPicPr preferRelativeResize="0"/>
-          <p:nvPr/>
-        </p:nvPicPr>
-        <p:blipFill>
-          <a:blip r:embed="rId6">
-            <a:alphaModFix/>
-          </a:blip>
-          <a:stretch>
-            <a:fillRect/>
-          </a:stretch>
-        </p:blipFill>
-        <p:spPr>
-          <a:xfrm>
-            <a:off x="337800" y="815700"/>
-            <a:ext cx="6550474" cy="4207325"/>
-          </a:xfrm>
-          <a:prstGeom prst="rect">
-            <a:avLst/>
-          </a:prstGeom>
-          <a:noFill/>
-          <a:ln>
-            <a:noFill/>
-          </a:ln>
-        </p:spPr>
-      </p:pic>
       <p:sp>
         <p:nvSpPr>
           <p:cNvPr id="150" name="Google Shape;150;g26a97bc69ad_1_44"/>
@@ -11841,7 +11813,7 @@
         </p:nvSpPr>
         <p:spPr>
           <a:xfrm>
-            <a:off x="4572000" y="3260075"/>
+            <a:off x="3958973" y="3197013"/>
             <a:ext cx="3039900" cy="1639200"/>
           </a:xfrm>
           <a:prstGeom prst="rect">
@@ -11878,7 +11850,7 @@
               <a:buNone/>
             </a:pPr>
             <a:r>
-              <a:rPr lang="en">
+              <a:rPr lang="en" dirty="0">
                 <a:solidFill>
                   <a:schemeClr val="dk1"/>
                 </a:solidFill>
@@ -11890,7 +11862,7 @@
               <a:t>Result of SSIS Package that have been executed. The ETL process is done and produce clean data to be further used for data </a:t>
             </a:r>
             <a:r>
-              <a:rPr lang="en" b="1">
+              <a:rPr lang="en" b="1" dirty="0">
                 <a:solidFill>
                   <a:schemeClr val="dk1"/>
                 </a:solidFill>
@@ -11902,7 +11874,7 @@
               <a:t>visualization </a:t>
             </a:r>
             <a:r>
-              <a:rPr lang="en">
+              <a:rPr lang="en" dirty="0">
                 <a:solidFill>
                   <a:schemeClr val="dk1"/>
                 </a:solidFill>
@@ -11914,7 +11886,7 @@
               <a:t>in </a:t>
             </a:r>
             <a:r>
-              <a:rPr lang="en" b="1">
+              <a:rPr lang="en" b="1" dirty="0">
                 <a:solidFill>
                   <a:schemeClr val="dk1"/>
                 </a:solidFill>
@@ -11926,7 +11898,7 @@
               <a:t>Tableau</a:t>
             </a:r>
             <a:r>
-              <a:rPr lang="en">
+              <a:rPr lang="en" dirty="0">
                 <a:solidFill>
                   <a:schemeClr val="dk1"/>
                 </a:solidFill>
@@ -11937,7 +11909,7 @@
               </a:rPr>
               <a:t>.</a:t>
             </a:r>
-            <a:endParaRPr>
+            <a:endParaRPr dirty="0">
               <a:solidFill>
                 <a:schemeClr val="dk1"/>
               </a:solidFill>
@@ -11960,7 +11932,7 @@
               </a:spcAft>
               <a:buNone/>
             </a:pPr>
-            <a:endParaRPr>
+            <a:endParaRPr dirty="0">
               <a:solidFill>
                 <a:schemeClr val="dk1"/>
               </a:solidFill>
@@ -11972,6 +11944,64 @@
           </a:p>
         </p:txBody>
       </p:sp>
+      <p:pic>
+        <p:nvPicPr>
+          <p:cNvPr id="3" name="Picture 2">
+            <a:extLst>
+              <a:ext uri="{FF2B5EF4-FFF2-40B4-BE49-F238E27FC236}">
+                <a16:creationId xmlns:a16="http://schemas.microsoft.com/office/drawing/2014/main" id="{3781AEF2-CF1C-A825-10FD-1A71743965D7}"/>
+              </a:ext>
+            </a:extLst>
+          </p:cNvPr>
+          <p:cNvPicPr>
+            <a:picLocks noChangeAspect="1"/>
+          </p:cNvPicPr>
+          <p:nvPr/>
+        </p:nvPicPr>
+        <p:blipFill rotWithShape="1">
+          <a:blip r:embed="rId6"/>
+          <a:srcRect b="59569"/>
+          <a:stretch/>
+        </p:blipFill>
+        <p:spPr>
+          <a:xfrm>
+            <a:off x="337800" y="815701"/>
+            <a:ext cx="6550474" cy="1922244"/>
+          </a:xfrm>
+          <a:prstGeom prst="rect">
+            <a:avLst/>
+          </a:prstGeom>
+        </p:spPr>
+      </p:pic>
+      <p:pic>
+        <p:nvPicPr>
+          <p:cNvPr id="5" name="Picture 4">
+            <a:extLst>
+              <a:ext uri="{FF2B5EF4-FFF2-40B4-BE49-F238E27FC236}">
+                <a16:creationId xmlns:a16="http://schemas.microsoft.com/office/drawing/2014/main" id="{5B7C88E4-BC05-F4B7-1E57-55772157A427}"/>
+              </a:ext>
+            </a:extLst>
+          </p:cNvPr>
+          <p:cNvPicPr>
+            <a:picLocks noChangeAspect="1"/>
+          </p:cNvPicPr>
+          <p:nvPr/>
+        </p:nvPicPr>
+        <p:blipFill rotWithShape="1">
+          <a:blip r:embed="rId7"/>
+          <a:srcRect t="61704"/>
+          <a:stretch/>
+        </p:blipFill>
+        <p:spPr>
+          <a:xfrm>
+            <a:off x="337800" y="2929505"/>
+            <a:ext cx="3283373" cy="1969770"/>
+          </a:xfrm>
+          <a:prstGeom prst="rect">
+            <a:avLst/>
+          </a:prstGeom>
+        </p:spPr>
+      </p:pic>
     </p:spTree>
   </p:cSld>
   <p:clrMapOvr>
@@ -12237,30 +12267,31 @@
       </p:sp>
       <p:pic>
         <p:nvPicPr>
-          <p:cNvPr id="159" name="Google Shape;159;g23ec2985a68_1_49"/>
-          <p:cNvPicPr preferRelativeResize="0"/>
+          <p:cNvPr id="3" name="Picture 2">
+            <a:extLst>
+              <a:ext uri="{FF2B5EF4-FFF2-40B4-BE49-F238E27FC236}">
+                <a16:creationId xmlns:a16="http://schemas.microsoft.com/office/drawing/2014/main" id="{EDDEA4B5-1F12-6CF5-D6A4-0DC61D2AE838}"/>
+              </a:ext>
+            </a:extLst>
+          </p:cNvPr>
+          <p:cNvPicPr>
+            <a:picLocks noChangeAspect="1"/>
+          </p:cNvPicPr>
           <p:nvPr/>
         </p:nvPicPr>
-        <p:blipFill>
-          <a:blip r:embed="rId5">
-            <a:alphaModFix/>
-          </a:blip>
-          <a:stretch>
-            <a:fillRect/>
-          </a:stretch>
+        <p:blipFill rotWithShape="1">
+          <a:blip r:embed="rId5"/>
+          <a:srcRect t="-1" r="42935" b="46872"/>
+          <a:stretch/>
         </p:blipFill>
         <p:spPr>
           <a:xfrm>
-            <a:off x="340500" y="1287688"/>
-            <a:ext cx="5549776" cy="3664075"/>
+            <a:off x="340500" y="1649412"/>
+            <a:ext cx="5678341" cy="3124963"/>
           </a:xfrm>
           <a:prstGeom prst="rect">
             <a:avLst/>
           </a:prstGeom>
-          <a:noFill/>
-          <a:ln>
-            <a:noFill/>
-          </a:ln>
         </p:spPr>
       </p:pic>
     </p:spTree>
@@ -12476,33 +12507,6 @@
           </a:p>
         </p:txBody>
       </p:sp>
-      <p:pic>
-        <p:nvPicPr>
-          <p:cNvPr id="168" name="Google Shape;168;g26a97bc69ad_1_57"/>
-          <p:cNvPicPr preferRelativeResize="0"/>
-          <p:nvPr/>
-        </p:nvPicPr>
-        <p:blipFill rotWithShape="1">
-          <a:blip r:embed="rId6">
-            <a:alphaModFix/>
-          </a:blip>
-          <a:srcRect r="16107"/>
-          <a:stretch/>
-        </p:blipFill>
-        <p:spPr>
-          <a:xfrm>
-            <a:off x="337800" y="1762625"/>
-            <a:ext cx="3884601" cy="2754675"/>
-          </a:xfrm>
-          <a:prstGeom prst="rect">
-            <a:avLst/>
-          </a:prstGeom>
-          <a:noFill/>
-          <a:ln>
-            <a:noFill/>
-          </a:ln>
-        </p:spPr>
-      </p:pic>
       <p:sp>
         <p:nvSpPr>
           <p:cNvPr id="169" name="Google Shape;169;g26a97bc69ad_1_57"/>
@@ -12729,6 +12733,35 @@
           </a:p>
         </p:txBody>
       </p:sp>
+      <p:pic>
+        <p:nvPicPr>
+          <p:cNvPr id="3" name="Picture 2">
+            <a:extLst>
+              <a:ext uri="{FF2B5EF4-FFF2-40B4-BE49-F238E27FC236}">
+                <a16:creationId xmlns:a16="http://schemas.microsoft.com/office/drawing/2014/main" id="{B964BF78-6B29-4EE9-8005-4117A4B44572}"/>
+              </a:ext>
+            </a:extLst>
+          </p:cNvPr>
+          <p:cNvPicPr>
+            <a:picLocks noChangeAspect="1"/>
+          </p:cNvPicPr>
+          <p:nvPr/>
+        </p:nvPicPr>
+        <p:blipFill rotWithShape="1">
+          <a:blip r:embed="rId6"/>
+          <a:srcRect r="16143"/>
+          <a:stretch/>
+        </p:blipFill>
+        <p:spPr>
+          <a:xfrm>
+            <a:off x="337800" y="1762625"/>
+            <a:ext cx="3884601" cy="2754675"/>
+          </a:xfrm>
+          <a:prstGeom prst="rect">
+            <a:avLst/>
+          </a:prstGeom>
+        </p:spPr>
+      </p:pic>
     </p:spTree>
   </p:cSld>
   <p:clrMapOvr>
@@ -13202,30 +13235,32 @@
       </p:sp>
       <p:pic>
         <p:nvPicPr>
-          <p:cNvPr id="181" name="Google Shape;181;g26aa52ee430_0_25"/>
-          <p:cNvPicPr preferRelativeResize="0"/>
+          <p:cNvPr id="3" name="Picture 2">
+            <a:extLst>
+              <a:ext uri="{FF2B5EF4-FFF2-40B4-BE49-F238E27FC236}">
+                <a16:creationId xmlns:a16="http://schemas.microsoft.com/office/drawing/2014/main" id="{8BFC2360-F389-AB81-2148-090DD36FD99B}"/>
+              </a:ext>
+            </a:extLst>
+          </p:cNvPr>
+          <p:cNvPicPr>
+            <a:picLocks noChangeAspect="1"/>
+          </p:cNvPicPr>
           <p:nvPr/>
         </p:nvPicPr>
         <p:blipFill>
-          <a:blip r:embed="rId6">
-            <a:alphaModFix/>
-          </a:blip>
+          <a:blip r:embed="rId6"/>
           <a:stretch>
             <a:fillRect/>
           </a:stretch>
         </p:blipFill>
         <p:spPr>
           <a:xfrm>
-            <a:off x="165650" y="1461275"/>
-            <a:ext cx="6067375" cy="2750675"/>
+            <a:off x="164182" y="1577151"/>
+            <a:ext cx="6068843" cy="2750674"/>
           </a:xfrm>
           <a:prstGeom prst="rect">
             <a:avLst/>
           </a:prstGeom>
-          <a:noFill/>
-          <a:ln>
-            <a:noFill/>
-          </a:ln>
         </p:spPr>
       </p:pic>
     </p:spTree>
@@ -13693,30 +13728,31 @@
       </p:sp>
       <p:pic>
         <p:nvPicPr>
-          <p:cNvPr id="192" name="Google Shape;192;g26aa52ee430_0_36"/>
-          <p:cNvPicPr preferRelativeResize="0"/>
+          <p:cNvPr id="3" name="Picture 2">
+            <a:extLst>
+              <a:ext uri="{FF2B5EF4-FFF2-40B4-BE49-F238E27FC236}">
+                <a16:creationId xmlns:a16="http://schemas.microsoft.com/office/drawing/2014/main" id="{12EE85A7-54E5-823E-A0BE-DD42C3BF2896}"/>
+              </a:ext>
+            </a:extLst>
+          </p:cNvPr>
+          <p:cNvPicPr>
+            <a:picLocks noChangeAspect="1"/>
+          </p:cNvPicPr>
           <p:nvPr/>
         </p:nvPicPr>
-        <p:blipFill>
-          <a:blip r:embed="rId6">
-            <a:alphaModFix/>
-          </a:blip>
-          <a:stretch>
-            <a:fillRect/>
-          </a:stretch>
+        <p:blipFill rotWithShape="1">
+          <a:blip r:embed="rId6"/>
+          <a:srcRect t="5819"/>
+          <a:stretch/>
         </p:blipFill>
         <p:spPr>
           <a:xfrm>
-            <a:off x="337800" y="1348548"/>
-            <a:ext cx="2453400" cy="3554827"/>
+            <a:off x="337800" y="1296946"/>
+            <a:ext cx="2662903" cy="3631713"/>
           </a:xfrm>
           <a:prstGeom prst="rect">
             <a:avLst/>
           </a:prstGeom>
-          <a:noFill/>
-          <a:ln>
-            <a:noFill/>
-          </a:ln>
         </p:spPr>
       </p:pic>
     </p:spTree>
@@ -13876,30 +13912,32 @@
       </p:sp>
       <p:pic>
         <p:nvPicPr>
-          <p:cNvPr id="200" name="Google Shape;200;g26aa52ee430_0_7"/>
-          <p:cNvPicPr preferRelativeResize="0"/>
+          <p:cNvPr id="5" name="Picture 4">
+            <a:extLst>
+              <a:ext uri="{FF2B5EF4-FFF2-40B4-BE49-F238E27FC236}">
+                <a16:creationId xmlns:a16="http://schemas.microsoft.com/office/drawing/2014/main" id="{D0E68D09-1B34-C7E5-7D67-C026A5601BAE}"/>
+              </a:ext>
+            </a:extLst>
+          </p:cNvPr>
+          <p:cNvPicPr>
+            <a:picLocks noChangeAspect="1"/>
+          </p:cNvPicPr>
           <p:nvPr/>
         </p:nvPicPr>
         <p:blipFill>
-          <a:blip r:embed="rId6">
-            <a:alphaModFix/>
-          </a:blip>
+          <a:blip r:embed="rId6"/>
           <a:stretch>
             <a:fillRect/>
           </a:stretch>
         </p:blipFill>
         <p:spPr>
           <a:xfrm>
-            <a:off x="309249" y="912550"/>
-            <a:ext cx="8525501" cy="3672799"/>
+            <a:off x="168900" y="912550"/>
+            <a:ext cx="8806200" cy="3796825"/>
           </a:xfrm>
           <a:prstGeom prst="rect">
             <a:avLst/>
           </a:prstGeom>
-          <a:noFill/>
-          <a:ln>
-            <a:noFill/>
-          </a:ln>
         </p:spPr>
       </p:pic>
     </p:spTree>
@@ -18122,30 +18160,31 @@
       </p:sp>
       <p:pic>
         <p:nvPicPr>
-          <p:cNvPr id="113" name="Google Shape;113;g23ec2985a68_1_33"/>
-          <p:cNvPicPr preferRelativeResize="0"/>
+          <p:cNvPr id="3" name="Picture 2">
+            <a:extLst>
+              <a:ext uri="{FF2B5EF4-FFF2-40B4-BE49-F238E27FC236}">
+                <a16:creationId xmlns:a16="http://schemas.microsoft.com/office/drawing/2014/main" id="{FA3E67E4-17BD-1590-12D3-8E500417340B}"/>
+              </a:ext>
+            </a:extLst>
+          </p:cNvPr>
+          <p:cNvPicPr>
+            <a:picLocks noChangeAspect="1"/>
+          </p:cNvPicPr>
           <p:nvPr/>
         </p:nvPicPr>
-        <p:blipFill>
-          <a:blip r:embed="rId5">
-            <a:alphaModFix/>
-          </a:blip>
-          <a:stretch>
-            <a:fillRect/>
-          </a:stretch>
+        <p:blipFill rotWithShape="1">
+          <a:blip r:embed="rId5"/>
+          <a:srcRect r="47441"/>
+          <a:stretch/>
         </p:blipFill>
         <p:spPr>
           <a:xfrm>
-            <a:off x="799725" y="1697350"/>
-            <a:ext cx="2295682" cy="3140101"/>
+            <a:off x="585517" y="1700351"/>
+            <a:ext cx="2295682" cy="3136518"/>
           </a:xfrm>
           <a:prstGeom prst="rect">
             <a:avLst/>
           </a:prstGeom>
-          <a:noFill/>
-          <a:ln>
-            <a:noFill/>
-          </a:ln>
         </p:spPr>
       </p:pic>
     </p:spTree>
@@ -18384,34 +18423,6 @@
           </a:p>
         </p:txBody>
       </p:sp>
-      <p:pic>
-        <p:nvPicPr>
-          <p:cNvPr id="121" name="Google Shape;121;g26a97bc69ad_1_11"/>
-          <p:cNvPicPr preferRelativeResize="0"/>
-          <p:nvPr/>
-        </p:nvPicPr>
-        <p:blipFill>
-          <a:blip r:embed="rId5">
-            <a:alphaModFix/>
-          </a:blip>
-          <a:stretch>
-            <a:fillRect/>
-          </a:stretch>
-        </p:blipFill>
-        <p:spPr>
-          <a:xfrm>
-            <a:off x="337803" y="1038250"/>
-            <a:ext cx="3050775" cy="3768250"/>
-          </a:xfrm>
-          <a:prstGeom prst="rect">
-            <a:avLst/>
-          </a:prstGeom>
-          <a:noFill/>
-          <a:ln>
-            <a:noFill/>
-          </a:ln>
-        </p:spPr>
-      </p:pic>
       <p:sp>
         <p:nvSpPr>
           <p:cNvPr id="122" name="Google Shape;122;g26a97bc69ad_1_11"/>
@@ -18472,7 +18483,7 @@
                 <a:ea typeface="Rubik"/>
                 <a:cs typeface="Rubik"/>
                 <a:sym typeface="Rubik"/>
-                <a:hlinkClick r:id="rId6"/>
+                <a:hlinkClick r:id="rId5"/>
               </a:rPr>
               <a:t>here!</a:t>
             </a:r>
@@ -18488,6 +18499,35 @@
           </a:p>
         </p:txBody>
       </p:sp>
+      <p:pic>
+        <p:nvPicPr>
+          <p:cNvPr id="3" name="Picture 2">
+            <a:extLst>
+              <a:ext uri="{FF2B5EF4-FFF2-40B4-BE49-F238E27FC236}">
+                <a16:creationId xmlns:a16="http://schemas.microsoft.com/office/drawing/2014/main" id="{59BCD8C7-9932-0785-8DDF-246F7A6F99A8}"/>
+              </a:ext>
+            </a:extLst>
+          </p:cNvPr>
+          <p:cNvPicPr>
+            <a:picLocks noChangeAspect="1"/>
+          </p:cNvPicPr>
+          <p:nvPr/>
+        </p:nvPicPr>
+        <p:blipFill rotWithShape="1">
+          <a:blip r:embed="rId6"/>
+          <a:srcRect r="6399"/>
+          <a:stretch/>
+        </p:blipFill>
+        <p:spPr>
+          <a:xfrm>
+            <a:off x="337800" y="1076850"/>
+            <a:ext cx="3045895" cy="3747625"/>
+          </a:xfrm>
+          <a:prstGeom prst="rect">
+            <a:avLst/>
+          </a:prstGeom>
+        </p:spPr>
+      </p:pic>
     </p:spTree>
   </p:cSld>
   <p:clrMapOvr>
@@ -18721,30 +18761,32 @@
       </p:sp>
       <p:pic>
         <p:nvPicPr>
-          <p:cNvPr id="131" name="Google Shape;131;g23ec2985a68_1_42"/>
-          <p:cNvPicPr preferRelativeResize="0"/>
+          <p:cNvPr id="3" name="Picture 2">
+            <a:extLst>
+              <a:ext uri="{FF2B5EF4-FFF2-40B4-BE49-F238E27FC236}">
+                <a16:creationId xmlns:a16="http://schemas.microsoft.com/office/drawing/2014/main" id="{0BA990D3-766A-7C4D-5998-E6AA0157BCDE}"/>
+              </a:ext>
+            </a:extLst>
+          </p:cNvPr>
+          <p:cNvPicPr>
+            <a:picLocks noChangeAspect="1"/>
+          </p:cNvPicPr>
           <p:nvPr/>
         </p:nvPicPr>
         <p:blipFill>
-          <a:blip r:embed="rId5">
-            <a:alphaModFix/>
-          </a:blip>
+          <a:blip r:embed="rId5"/>
           <a:stretch>
             <a:fillRect/>
           </a:stretch>
         </p:blipFill>
         <p:spPr>
           <a:xfrm>
-            <a:off x="340500" y="1261776"/>
-            <a:ext cx="5323799" cy="3686125"/>
+            <a:off x="340501" y="1261776"/>
+            <a:ext cx="5370250" cy="3714872"/>
           </a:xfrm>
           <a:prstGeom prst="rect">
             <a:avLst/>
           </a:prstGeom>
-          <a:noFill/>
-          <a:ln>
-            <a:noFill/>
-          </a:ln>
         </p:spPr>
       </p:pic>
     </p:spTree>
@@ -19005,30 +19047,32 @@
       </p:sp>
       <p:pic>
         <p:nvPicPr>
-          <p:cNvPr id="140" name="Google Shape;140;g26a97bc69ad_1_34"/>
-          <p:cNvPicPr preferRelativeResize="0"/>
+          <p:cNvPr id="3" name="Picture 2">
+            <a:extLst>
+              <a:ext uri="{FF2B5EF4-FFF2-40B4-BE49-F238E27FC236}">
+                <a16:creationId xmlns:a16="http://schemas.microsoft.com/office/drawing/2014/main" id="{EBBF7154-0961-13AD-CACB-EDBD59E08D68}"/>
+              </a:ext>
+            </a:extLst>
+          </p:cNvPr>
+          <p:cNvPicPr>
+            <a:picLocks noChangeAspect="1"/>
+          </p:cNvPicPr>
           <p:nvPr/>
         </p:nvPicPr>
         <p:blipFill>
-          <a:blip r:embed="rId6">
-            <a:alphaModFix/>
-          </a:blip>
+          <a:blip r:embed="rId6"/>
           <a:stretch>
             <a:fillRect/>
           </a:stretch>
         </p:blipFill>
         <p:spPr>
           <a:xfrm>
-            <a:off x="339150" y="888750"/>
-            <a:ext cx="8465700" cy="2540918"/>
+            <a:off x="339150" y="912550"/>
+            <a:ext cx="8465700" cy="2659000"/>
           </a:xfrm>
           <a:prstGeom prst="rect">
             <a:avLst/>
           </a:prstGeom>
-          <a:noFill/>
-          <a:ln>
-            <a:noFill/>
-          </a:ln>
         </p:spPr>
       </p:pic>
     </p:spTree>

--- a/Final Task_Bank BTPN Syariah_Data Engineer_Gilang Wiradhyaksa.pptx
+++ b/Final Task_Bank BTPN Syariah_Data Engineer_Gilang Wiradhyaksa.pptx
@@ -312,7 +312,7 @@
       </p15:sldGuideLst>
     </p:ext>
     <p:ext uri="GoogleSlidesCustomDataVersion2">
-      <go:slidesCustomData xmlns="" xmlns:mc="http://schemas.openxmlformats.org/markup-compatibility/2006" xmlns:mv="urn:schemas-microsoft-com:mac:vml" xmlns:c="http://schemas.openxmlformats.org/drawingml/2006/chart" xmlns:dgm="http://schemas.openxmlformats.org/drawingml/2006/diagram" xmlns:o="urn:schemas-microsoft-com:office:office" xmlns:v="urn:schemas-microsoft-com:vml" xmlns:pvml="urn:schemas-microsoft-com:office:powerpoint" xmlns:com="http://schemas.openxmlformats.org/drawingml/2006/compatibility" xmlns:p14="http://schemas.microsoft.com/office/powerpoint/2010/main" xmlns:p15="http://schemas.microsoft.com/office/powerpoint/2012/main" xmlns:ahyp="http://schemas.microsoft.com/office/drawing/2018/hyperlinkcolor" xmlns:go="http://customooxmlschemas.google.com/" r:id="rId45" roundtripDataSignature="AMtx7mjTFmFoeNs8+g57EKKd8hQk/sKzwQ=="/>
+      <go:slidesCustomData xmlns:go="http://customooxmlschemas.google.com/" xmlns:ahyp="http://schemas.microsoft.com/office/drawing/2018/hyperlinkcolor" xmlns:p15="http://schemas.microsoft.com/office/powerpoint/2012/main" xmlns:p14="http://schemas.microsoft.com/office/powerpoint/2010/main" xmlns:com="http://schemas.openxmlformats.org/drawingml/2006/compatibility" xmlns:pvml="urn:schemas-microsoft-com:office:powerpoint" xmlns:v="urn:schemas-microsoft-com:vml" xmlns:o="urn:schemas-microsoft-com:office:office" xmlns:dgm="http://schemas.openxmlformats.org/drawingml/2006/diagram" xmlns:c="http://schemas.openxmlformats.org/drawingml/2006/chart" xmlns:mv="urn:schemas-microsoft-com:mac:vml" xmlns:mc="http://schemas.openxmlformats.org/markup-compatibility/2006" xmlns="" r:id="rId45" roundtripDataSignature="AMtx7mjTFmFoeNs8+g57EKKd8hQk/sKzwQ=="/>
     </p:ext>
   </p:extLst>
 </p:presentation>
@@ -923,7 +923,7 @@
         </p:nvSpPr>
         <p:spPr>
           <a:xfrm>
-            <a:off x="381300" y="685800"/>
+            <a:off x="381000" y="685800"/>
             <a:ext cx="6096000" cy="3429000"/>
           </a:xfrm>
           <a:custGeom>
@@ -11534,6 +11534,95 @@
           </a:ln>
         </p:spPr>
       </p:pic>
+      <p:pic>
+        <p:nvPicPr>
+          <p:cNvPr id="5" name="Picture 4">
+            <a:extLst>
+              <a:ext uri="{FF2B5EF4-FFF2-40B4-BE49-F238E27FC236}">
+                <a16:creationId xmlns:a16="http://schemas.microsoft.com/office/drawing/2014/main" id="{6224A104-585A-9825-E29B-969BCAFE5E4D}"/>
+              </a:ext>
+            </a:extLst>
+          </p:cNvPr>
+          <p:cNvPicPr>
+            <a:picLocks noChangeAspect="1"/>
+          </p:cNvPicPr>
+          <p:nvPr/>
+        </p:nvPicPr>
+        <p:blipFill>
+          <a:blip r:embed="rId6"/>
+          <a:stretch>
+            <a:fillRect/>
+          </a:stretch>
+        </p:blipFill>
+        <p:spPr>
+          <a:xfrm>
+            <a:off x="5990963" y="2906101"/>
+            <a:ext cx="2783689" cy="954300"/>
+          </a:xfrm>
+          <a:prstGeom prst="rect">
+            <a:avLst/>
+          </a:prstGeom>
+        </p:spPr>
+      </p:pic>
+      <p:pic>
+        <p:nvPicPr>
+          <p:cNvPr id="7" name="Picture 6">
+            <a:extLst>
+              <a:ext uri="{FF2B5EF4-FFF2-40B4-BE49-F238E27FC236}">
+                <a16:creationId xmlns:a16="http://schemas.microsoft.com/office/drawing/2014/main" id="{C53C0E44-F4EC-559A-6C65-5D993473BF4D}"/>
+              </a:ext>
+            </a:extLst>
+          </p:cNvPr>
+          <p:cNvPicPr>
+            <a:picLocks noChangeAspect="1"/>
+          </p:cNvPicPr>
+          <p:nvPr/>
+        </p:nvPicPr>
+        <p:blipFill>
+          <a:blip r:embed="rId7"/>
+          <a:stretch>
+            <a:fillRect/>
+          </a:stretch>
+        </p:blipFill>
+        <p:spPr>
+          <a:xfrm>
+            <a:off x="4450791" y="3805041"/>
+            <a:ext cx="1847225" cy="713609"/>
+          </a:xfrm>
+          <a:prstGeom prst="rect">
+            <a:avLst/>
+          </a:prstGeom>
+        </p:spPr>
+      </p:pic>
+      <p:pic>
+        <p:nvPicPr>
+          <p:cNvPr id="11" name="Picture 10">
+            <a:extLst>
+              <a:ext uri="{FF2B5EF4-FFF2-40B4-BE49-F238E27FC236}">
+                <a16:creationId xmlns:a16="http://schemas.microsoft.com/office/drawing/2014/main" id="{A2999C46-1CD3-063A-8C9F-23CFAC3E8DB7}"/>
+              </a:ext>
+            </a:extLst>
+          </p:cNvPr>
+          <p:cNvPicPr>
+            <a:picLocks noChangeAspect="1"/>
+          </p:cNvPicPr>
+          <p:nvPr/>
+        </p:nvPicPr>
+        <p:blipFill rotWithShape="1">
+          <a:blip r:embed="rId8"/>
+          <a:srcRect t="35296" b="32877"/>
+          <a:stretch/>
+        </p:blipFill>
+        <p:spPr>
+          <a:xfrm>
+            <a:off x="6562754" y="4212426"/>
+            <a:ext cx="2488492" cy="792024"/>
+          </a:xfrm>
+          <a:prstGeom prst="rect">
+            <a:avLst/>
+          </a:prstGeom>
+        </p:spPr>
+      </p:pic>
     </p:spTree>
   </p:cSld>
   <p:clrMapOvr>
